--- a/PLPTH813Bioinformatis/2023/labs/lab09_assembly.pptx
+++ b/PLPTH813Bioinformatis/2023/labs/lab09_assembly.pptx
@@ -230,7 +230,7 @@
           <a:p>
             <a:fld id="{08E6E0A8-E17C-C949-B17E-7A1A6494483A}" type="datetimeFigureOut">
               <a:rPr lang="en-US" smtClean="0"/>
-              <a:t>4/10/23</a:t>
+              <a:t>4/12/23</a:t>
             </a:fld>
             <a:endParaRPr lang="en-US"/>
           </a:p>
@@ -1531,7 +1531,7 @@
           <a:p>
             <a:fld id="{42B8B0BE-C8D7-EB48-AD68-71DB5002F24B}" type="datetimeFigureOut">
               <a:rPr lang="en-US" smtClean="0"/>
-              <a:t>4/10/23</a:t>
+              <a:t>4/12/23</a:t>
             </a:fld>
             <a:endParaRPr lang="en-US"/>
           </a:p>
@@ -1699,7 +1699,7 @@
           <a:p>
             <a:fld id="{42B8B0BE-C8D7-EB48-AD68-71DB5002F24B}" type="datetimeFigureOut">
               <a:rPr lang="en-US" smtClean="0"/>
-              <a:t>4/10/23</a:t>
+              <a:t>4/12/23</a:t>
             </a:fld>
             <a:endParaRPr lang="en-US"/>
           </a:p>
@@ -1877,7 +1877,7 @@
           <a:p>
             <a:fld id="{42B8B0BE-C8D7-EB48-AD68-71DB5002F24B}" type="datetimeFigureOut">
               <a:rPr lang="en-US" smtClean="0"/>
-              <a:t>4/10/23</a:t>
+              <a:t>4/12/23</a:t>
             </a:fld>
             <a:endParaRPr lang="en-US"/>
           </a:p>
@@ -2045,7 +2045,7 @@
           <a:p>
             <a:fld id="{42B8B0BE-C8D7-EB48-AD68-71DB5002F24B}" type="datetimeFigureOut">
               <a:rPr lang="en-US" smtClean="0"/>
-              <a:t>4/10/23</a:t>
+              <a:t>4/12/23</a:t>
             </a:fld>
             <a:endParaRPr lang="en-US"/>
           </a:p>
@@ -2290,7 +2290,7 @@
           <a:p>
             <a:fld id="{42B8B0BE-C8D7-EB48-AD68-71DB5002F24B}" type="datetimeFigureOut">
               <a:rPr lang="en-US" smtClean="0"/>
-              <a:t>4/10/23</a:t>
+              <a:t>4/12/23</a:t>
             </a:fld>
             <a:endParaRPr lang="en-US"/>
           </a:p>
@@ -2575,7 +2575,7 @@
           <a:p>
             <a:fld id="{42B8B0BE-C8D7-EB48-AD68-71DB5002F24B}" type="datetimeFigureOut">
               <a:rPr lang="en-US" smtClean="0"/>
-              <a:t>4/10/23</a:t>
+              <a:t>4/12/23</a:t>
             </a:fld>
             <a:endParaRPr lang="en-US"/>
           </a:p>
@@ -2994,7 +2994,7 @@
           <a:p>
             <a:fld id="{42B8B0BE-C8D7-EB48-AD68-71DB5002F24B}" type="datetimeFigureOut">
               <a:rPr lang="en-US" smtClean="0"/>
-              <a:t>4/10/23</a:t>
+              <a:t>4/12/23</a:t>
             </a:fld>
             <a:endParaRPr lang="en-US"/>
           </a:p>
@@ -3111,7 +3111,7 @@
           <a:p>
             <a:fld id="{42B8B0BE-C8D7-EB48-AD68-71DB5002F24B}" type="datetimeFigureOut">
               <a:rPr lang="en-US" smtClean="0"/>
-              <a:t>4/10/23</a:t>
+              <a:t>4/12/23</a:t>
             </a:fld>
             <a:endParaRPr lang="en-US"/>
           </a:p>
@@ -3206,7 +3206,7 @@
           <a:p>
             <a:fld id="{42B8B0BE-C8D7-EB48-AD68-71DB5002F24B}" type="datetimeFigureOut">
               <a:rPr lang="en-US" smtClean="0"/>
-              <a:t>4/10/23</a:t>
+              <a:t>4/12/23</a:t>
             </a:fld>
             <a:endParaRPr lang="en-US"/>
           </a:p>
@@ -3481,7 +3481,7 @@
           <a:p>
             <a:fld id="{42B8B0BE-C8D7-EB48-AD68-71DB5002F24B}" type="datetimeFigureOut">
               <a:rPr lang="en-US" smtClean="0"/>
-              <a:t>4/10/23</a:t>
+              <a:t>4/12/23</a:t>
             </a:fld>
             <a:endParaRPr lang="en-US"/>
           </a:p>
@@ -3733,7 +3733,7 @@
           <a:p>
             <a:fld id="{42B8B0BE-C8D7-EB48-AD68-71DB5002F24B}" type="datetimeFigureOut">
               <a:rPr lang="en-US" smtClean="0"/>
-              <a:t>4/10/23</a:t>
+              <a:t>4/12/23</a:t>
             </a:fld>
             <a:endParaRPr lang="en-US"/>
           </a:p>
@@ -3944,7 +3944,7 @@
           <a:p>
             <a:fld id="{42B8B0BE-C8D7-EB48-AD68-71DB5002F24B}" type="datetimeFigureOut">
               <a:rPr lang="en-US" smtClean="0"/>
-              <a:t>4/10/23</a:t>
+              <a:t>4/12/23</a:t>
             </a:fld>
             <a:endParaRPr lang="en-US"/>
           </a:p>
@@ -4713,7 +4713,7 @@
           <a:p>
             <a:r>
               <a:rPr lang="en-US" sz="3200" dirty="0"/>
-              <a:t>MG1655 k-mer31 assembling result</a:t>
+              <a:t>MG1655 k-mer31 assembled result</a:t>
             </a:r>
           </a:p>
         </p:txBody>
@@ -7216,18 +7216,7 @@
             </a:pPr>
             <a:r>
               <a:rPr lang="en-US" sz="2800" dirty="0"/>
-              <a:t>Assembly polishing (error correction) with long-read raw data (skipped)</a:t>
-            </a:r>
-          </a:p>
-          <a:p>
-            <a:pPr>
-              <a:lnSpc>
-                <a:spcPct val="120000"/>
-              </a:lnSpc>
-            </a:pPr>
-            <a:r>
-              <a:rPr lang="en-US" sz="2800" dirty="0"/>
-              <a:t>Polishing with Illumina data</a:t>
+              <a:t>Polishing (error correction) with Illumina data</a:t>
             </a:r>
           </a:p>
           <a:p>
@@ -10615,7 +10604,7 @@
           <a:p>
             <a:r>
               <a:rPr lang="en-US" sz="3200" dirty="0"/>
-              <a:t>Directories</a:t>
+              <a:t>Data and software</a:t>
             </a:r>
           </a:p>
         </p:txBody>
@@ -10632,13 +10621,13 @@
         </p:nvSpPr>
         <p:spPr>
           <a:xfrm>
-            <a:off x="873478" y="1270670"/>
-            <a:ext cx="7397044" cy="5728844"/>
+            <a:off x="873477" y="1270670"/>
+            <a:ext cx="8166019" cy="4773079"/>
           </a:xfrm>
         </p:spPr>
         <p:txBody>
           <a:bodyPr>
-            <a:normAutofit/>
+            <a:normAutofit lnSpcReduction="10000"/>
           </a:bodyPr>
           <a:lstStyle/>
           <a:p>
@@ -10650,15 +10639,7 @@
             </a:pPr>
             <a:r>
               <a:rPr lang="fr-FR" sz="2800" dirty="0"/>
-              <a:t># </a:t>
-            </a:r>
-            <a:r>
-              <a:rPr lang="fr-FR" sz="2800" dirty="0" err="1"/>
-              <a:t>create</a:t>
-            </a:r>
-            <a:r>
-              <a:rPr lang="fr-FR" sz="2800" dirty="0"/>
-              <a:t> new directories for </a:t>
+              <a:t># download data for </a:t>
             </a:r>
             <a:r>
               <a:rPr lang="fr-FR" sz="2800" dirty="0" err="1"/>
@@ -10677,11 +10658,25 @@
               <a:buNone/>
             </a:pPr>
             <a:r>
-              <a:rPr lang="fr-FR" sz="3600" dirty="0">
-                <a:latin typeface="Courier"/>
-                <a:cs typeface="Courier"/>
-              </a:rPr>
-              <a:t>lab09_asm/</a:t>
+              <a:rPr lang="fr-FR" sz="2800" dirty="0" err="1">
+                <a:latin typeface="Courier New" panose="02070309020205020404" pitchFamily="49" charset="0"/>
+                <a:cs typeface="Courier New" panose="02070309020205020404" pitchFamily="49" charset="0"/>
+              </a:rPr>
+              <a:t>wget</a:t>
+            </a:r>
+            <a:r>
+              <a:rPr lang="fr-FR" sz="2800" dirty="0">
+                <a:latin typeface="Courier New" panose="02070309020205020404" pitchFamily="49" charset="0"/>
+                <a:cs typeface="Courier New" panose="02070309020205020404" pitchFamily="49" charset="0"/>
+              </a:rPr>
+              <a:t> </a:t>
+            </a:r>
+            <a:r>
+              <a:rPr lang="fr-FR" sz="1100" dirty="0">
+                <a:latin typeface="Courier New" panose="02070309020205020404" pitchFamily="49" charset="0"/>
+                <a:cs typeface="Courier New" panose="02070309020205020404" pitchFamily="49" charset="0"/>
+              </a:rPr>
+              <a:t>https://people.beocat.ksu.edu/~liu3zhen/PLPTH813/labs/lab09_assembly.tar.gz</a:t>
             </a:r>
           </a:p>
           <a:p>
@@ -10692,11 +10687,25 @@
               <a:buNone/>
             </a:pPr>
             <a:r>
-              <a:rPr lang="fr-FR" sz="3200" dirty="0">
-                <a:latin typeface="Courier"/>
-                <a:cs typeface="Courier"/>
-              </a:rPr>
-              <a:t>├── data</a:t>
+              <a:rPr lang="fr-FR" dirty="0">
+                <a:latin typeface="Courier New" panose="02070309020205020404" pitchFamily="49" charset="0"/>
+                <a:cs typeface="Courier New" panose="02070309020205020404" pitchFamily="49" charset="0"/>
+              </a:rPr>
+              <a:t>tar -</a:t>
+            </a:r>
+            <a:r>
+              <a:rPr lang="fr-FR" dirty="0" err="1">
+                <a:latin typeface="Courier New" panose="02070309020205020404" pitchFamily="49" charset="0"/>
+                <a:cs typeface="Courier New" panose="02070309020205020404" pitchFamily="49" charset="0"/>
+              </a:rPr>
+              <a:t>xf</a:t>
+            </a:r>
+            <a:r>
+              <a:rPr lang="fr-FR" dirty="0">
+                <a:latin typeface="Courier New" panose="02070309020205020404" pitchFamily="49" charset="0"/>
+                <a:cs typeface="Courier New" panose="02070309020205020404" pitchFamily="49" charset="0"/>
+              </a:rPr>
+              <a:t> lab09_assembly.tar.gz</a:t>
             </a:r>
           </a:p>
           <a:p>
@@ -10706,21 +10715,7 @@
               </a:lnSpc>
               <a:buNone/>
             </a:pPr>
-            <a:r>
-              <a:rPr lang="fr-FR" sz="3200" dirty="0">
-                <a:latin typeface="Courier"/>
-                <a:cs typeface="Courier"/>
-              </a:rPr>
-              <a:t>└── </a:t>
-            </a:r>
-            <a:r>
-              <a:rPr lang="fr-FR" sz="3200" dirty="0" err="1">
-                <a:latin typeface="Courier"/>
-                <a:cs typeface="Courier"/>
-              </a:rPr>
-              <a:t>soapdn</a:t>
-            </a:r>
-            <a:endParaRPr lang="fr-FR" sz="3200" dirty="0">
+            <a:endParaRPr lang="fr-FR" sz="2200" dirty="0">
               <a:latin typeface="Courier"/>
               <a:cs typeface="Courier"/>
             </a:endParaRPr>
@@ -10733,23 +10728,12 @@
               <a:buNone/>
             </a:pPr>
             <a:r>
-              <a:rPr lang="fr-FR" sz="3200" dirty="0">
-                <a:latin typeface="Courier"/>
-                <a:cs typeface="Courier"/>
-              </a:rPr>
-              <a:t>├── </a:t>
-            </a:r>
-            <a:r>
-              <a:rPr lang="fr-FR" sz="3200" dirty="0" err="1">
-                <a:latin typeface="Courier"/>
-                <a:cs typeface="Courier"/>
-              </a:rPr>
-              <a:t>canu</a:t>
-            </a:r>
-            <a:endParaRPr lang="fr-FR" sz="3200" dirty="0">
-              <a:latin typeface="Courier"/>
-              <a:cs typeface="Courier"/>
-            </a:endParaRPr>
+              <a:rPr lang="fr-FR" sz="2200" dirty="0">
+                <a:latin typeface="Courier"/>
+                <a:cs typeface="Courier"/>
+              </a:rPr>
+              <a:t>lab09_assembly/</a:t>
+            </a:r>
           </a:p>
           <a:p>
             <a:pPr marL="0" indent="0">
@@ -10759,7 +10743,74 @@
               <a:buNone/>
             </a:pPr>
             <a:r>
-              <a:rPr lang="fr-FR" sz="3200" dirty="0">
+              <a:rPr lang="fr-FR" sz="2200" dirty="0">
+                <a:latin typeface="Courier"/>
+                <a:cs typeface="Courier"/>
+              </a:rPr>
+              <a:t>├── data</a:t>
+            </a:r>
+          </a:p>
+          <a:p>
+            <a:pPr marL="0" indent="0">
+              <a:lnSpc>
+                <a:spcPct val="120000"/>
+              </a:lnSpc>
+              <a:buNone/>
+            </a:pPr>
+            <a:r>
+              <a:rPr lang="fr-FR" sz="2200" dirty="0">
+                <a:latin typeface="Courier"/>
+                <a:cs typeface="Courier"/>
+              </a:rPr>
+              <a:t>├── </a:t>
+            </a:r>
+            <a:r>
+              <a:rPr lang="fr-FR" sz="2200" dirty="0" err="1">
+                <a:latin typeface="Courier"/>
+                <a:cs typeface="Courier"/>
+              </a:rPr>
+              <a:t>soapdn</a:t>
+            </a:r>
+            <a:endParaRPr lang="fr-FR" sz="2200" dirty="0">
+              <a:latin typeface="Courier"/>
+              <a:cs typeface="Courier"/>
+            </a:endParaRPr>
+          </a:p>
+          <a:p>
+            <a:pPr marL="0" indent="0">
+              <a:lnSpc>
+                <a:spcPct val="120000"/>
+              </a:lnSpc>
+              <a:buNone/>
+            </a:pPr>
+            <a:r>
+              <a:rPr lang="fr-FR" sz="2200" dirty="0">
+                <a:latin typeface="Courier"/>
+                <a:cs typeface="Courier"/>
+              </a:rPr>
+              <a:t>├── </a:t>
+            </a:r>
+            <a:r>
+              <a:rPr lang="fr-FR" sz="2200" dirty="0" err="1">
+                <a:latin typeface="Courier"/>
+                <a:cs typeface="Courier"/>
+              </a:rPr>
+              <a:t>canu</a:t>
+            </a:r>
+            <a:endParaRPr lang="fr-FR" sz="2200" dirty="0">
+              <a:latin typeface="Courier"/>
+              <a:cs typeface="Courier"/>
+            </a:endParaRPr>
+          </a:p>
+          <a:p>
+            <a:pPr marL="0" indent="0">
+              <a:lnSpc>
+                <a:spcPct val="120000"/>
+              </a:lnSpc>
+              <a:buNone/>
+            </a:pPr>
+            <a:r>
+              <a:rPr lang="fr-FR" sz="2200" dirty="0">
                 <a:latin typeface="Courier"/>
                 <a:cs typeface="Courier"/>
               </a:rPr>
@@ -10771,18 +10822,12 @@
               <a:buNone/>
             </a:pPr>
             <a:r>
-              <a:rPr lang="fr-FR" sz="3200" dirty="0">
-                <a:latin typeface="Courier"/>
-                <a:cs typeface="Courier"/>
-              </a:rPr>
-              <a:t>├── software</a:t>
-            </a:r>
-          </a:p>
-          <a:p>
-            <a:pPr marL="0" indent="0">
-              <a:buNone/>
-            </a:pPr>
-            <a:endParaRPr lang="en-US" dirty="0"/>
+              <a:rPr lang="fr-FR" sz="2200" dirty="0">
+                <a:latin typeface="Courier"/>
+                <a:cs typeface="Courier"/>
+              </a:rPr>
+              <a:t>└── software</a:t>
+            </a:r>
           </a:p>
         </p:txBody>
       </p:sp>
@@ -10838,7 +10883,7 @@
           <a:p>
             <a:r>
               <a:rPr lang="en-US" dirty="0"/>
-              <a:t>reference genome and sequencing data</a:t>
+              <a:t>Illumina sequencing data</a:t>
             </a:r>
           </a:p>
         </p:txBody>
@@ -10855,8 +10900,8 @@
         </p:nvSpPr>
         <p:spPr>
           <a:xfrm>
-            <a:off x="72362" y="1696028"/>
-            <a:ext cx="9071638" cy="2837872"/>
+            <a:off x="1654629" y="2201125"/>
+            <a:ext cx="6200503" cy="1491309"/>
           </a:xfrm>
         </p:spPr>
         <p:txBody>
@@ -10866,113 +10911,16 @@
           <a:lstStyle/>
           <a:p>
             <a:pPr>
-              <a:lnSpc>
-                <a:spcPct val="120000"/>
-              </a:lnSpc>
+              <a:buFont typeface="+mj-lt"/>
+              <a:buAutoNum type="arabicPeriod"/>
             </a:pPr>
             <a:r>
-              <a:rPr lang="en-US" dirty="0" err="1">
+              <a:rPr lang="en-US" sz="3200" dirty="0">
                 <a:latin typeface="Arial" panose="020B0604020202020204" pitchFamily="34" charset="0"/>
                 <a:cs typeface="Arial" panose="020B0604020202020204" pitchFamily="34" charset="0"/>
               </a:rPr>
-              <a:t>E.coli</a:t>
-            </a:r>
-            <a:r>
-              <a:rPr lang="en-US" dirty="0">
-                <a:latin typeface="Arial" panose="020B0604020202020204" pitchFamily="34" charset="0"/>
-                <a:cs typeface="Arial" panose="020B0604020202020204" pitchFamily="34" charset="0"/>
-              </a:rPr>
-              <a:t> K-12 </a:t>
-            </a:r>
-            <a:r>
-              <a:rPr lang="fr-FR" dirty="0">
-                <a:latin typeface="Arial" panose="020B0604020202020204" pitchFamily="34" charset="0"/>
-                <a:cs typeface="Arial" panose="020B0604020202020204" pitchFamily="34" charset="0"/>
-              </a:rPr>
-              <a:t>MG1655 </a:t>
-            </a:r>
-            <a:r>
-              <a:rPr lang="fr-FR" dirty="0" err="1">
-                <a:latin typeface="Arial" panose="020B0604020202020204" pitchFamily="34" charset="0"/>
-                <a:cs typeface="Arial" panose="020B0604020202020204" pitchFamily="34" charset="0"/>
-              </a:rPr>
-              <a:t>reference</a:t>
-            </a:r>
-            <a:r>
-              <a:rPr lang="fr-FR" dirty="0">
-                <a:latin typeface="Arial" panose="020B0604020202020204" pitchFamily="34" charset="0"/>
-                <a:cs typeface="Arial" panose="020B0604020202020204" pitchFamily="34" charset="0"/>
-              </a:rPr>
-              <a:t> </a:t>
-            </a:r>
-            <a:r>
-              <a:rPr lang="fr-FR" dirty="0" err="1">
-                <a:latin typeface="Arial" panose="020B0604020202020204" pitchFamily="34" charset="0"/>
-                <a:cs typeface="Arial" panose="020B0604020202020204" pitchFamily="34" charset="0"/>
-              </a:rPr>
-              <a:t>genome</a:t>
-            </a:r>
-            <a:r>
-              <a:rPr lang="fr-FR" dirty="0">
-                <a:latin typeface="Arial" panose="020B0604020202020204" pitchFamily="34" charset="0"/>
-                <a:cs typeface="Arial" panose="020B0604020202020204" pitchFamily="34" charset="0"/>
-              </a:rPr>
-              <a:t> </a:t>
-            </a:r>
-            <a:r>
-              <a:rPr lang="fr-FR" dirty="0" err="1">
-                <a:latin typeface="Arial" panose="020B0604020202020204" pitchFamily="34" charset="0"/>
-                <a:cs typeface="Arial" panose="020B0604020202020204" pitchFamily="34" charset="0"/>
-              </a:rPr>
-              <a:t>sequence</a:t>
-            </a:r>
-            <a:endParaRPr lang="fr-FR" dirty="0">
-              <a:latin typeface="Arial" panose="020B0604020202020204" pitchFamily="34" charset="0"/>
-              <a:cs typeface="Arial" panose="020B0604020202020204" pitchFamily="34" charset="0"/>
-            </a:endParaRPr>
-          </a:p>
-          <a:p>
-            <a:pPr marL="0" indent="0">
-              <a:lnSpc>
-                <a:spcPct val="120000"/>
-              </a:lnSpc>
-              <a:buNone/>
-            </a:pPr>
-            <a:endParaRPr lang="en-US" sz="1800" dirty="0">
-              <a:latin typeface="Arial" panose="020B0604020202020204" pitchFamily="34" charset="0"/>
-              <a:cs typeface="Arial" panose="020B0604020202020204" pitchFamily="34" charset="0"/>
-            </a:endParaRPr>
-          </a:p>
-          <a:p>
-            <a:pPr>
-              <a:lnSpc>
-                <a:spcPct val="120000"/>
-              </a:lnSpc>
-            </a:pPr>
-            <a:r>
-              <a:rPr lang="en-US" dirty="0">
-                <a:solidFill>
-                  <a:prstClr val="black"/>
-                </a:solidFill>
-                <a:latin typeface="Arial" panose="020B0604020202020204" pitchFamily="34" charset="0"/>
-                <a:cs typeface="Arial" panose="020B0604020202020204" pitchFamily="34" charset="0"/>
-              </a:rPr>
-              <a:t>Illumina data</a:t>
-            </a:r>
-            <a:r>
-              <a:rPr lang="en-US" sz="1800" dirty="0">
-                <a:solidFill>
-                  <a:prstClr val="black"/>
-                </a:solidFill>
-                <a:latin typeface="Arial" panose="020B0604020202020204" pitchFamily="34" charset="0"/>
-                <a:cs typeface="Arial" panose="020B0604020202020204" pitchFamily="34" charset="0"/>
-              </a:rPr>
-              <a:t>:</a:t>
-            </a:r>
-            <a:endParaRPr lang="en-US" sz="1800" dirty="0">
-              <a:latin typeface="Arial" panose="020B0604020202020204" pitchFamily="34" charset="0"/>
-              <a:cs typeface="Arial" panose="020B0604020202020204" pitchFamily="34" charset="0"/>
-            </a:endParaRPr>
+              <a:t>MG1655_1.5M_R1.fastq.gz</a:t>
+            </a:r>
           </a:p>
           <a:p>
             <a:pPr>
@@ -10980,20 +10928,7 @@
               <a:buAutoNum type="arabicPeriod"/>
             </a:pPr>
             <a:r>
-              <a:rPr lang="en-US" sz="1800" dirty="0">
-                <a:latin typeface="Arial" panose="020B0604020202020204" pitchFamily="34" charset="0"/>
-                <a:cs typeface="Arial" panose="020B0604020202020204" pitchFamily="34" charset="0"/>
-              </a:rPr>
-              <a:t>MG1655_1.5M_R1.fastq.gz</a:t>
-            </a:r>
-          </a:p>
-          <a:p>
-            <a:pPr>
-              <a:buFont typeface="+mj-lt"/>
-              <a:buAutoNum type="arabicPeriod"/>
-            </a:pPr>
-            <a:r>
-              <a:rPr lang="en-US" sz="1800" dirty="0">
+              <a:rPr lang="en-US" sz="3200" dirty="0">
                 <a:latin typeface="Arial" panose="020B0604020202020204" pitchFamily="34" charset="0"/>
                 <a:cs typeface="Arial" panose="020B0604020202020204" pitchFamily="34" charset="0"/>
               </a:rPr>
@@ -11178,7 +11113,19 @@
             </a:pPr>
             <a:r>
               <a:rPr lang="en-US" sz="2400" dirty="0"/>
-              <a:t>Two modules in SOAPdenovo2: SOAPdenovo-63mer and SOAPdenovo-127mer</a:t>
+              <a:t>Two modules in SOAPdenovo2: </a:t>
+            </a:r>
+            <a:r>
+              <a:rPr lang="en-US" sz="2400" i="1" dirty="0"/>
+              <a:t>SOAPdenovo-63mer</a:t>
+            </a:r>
+            <a:r>
+              <a:rPr lang="en-US" sz="2400" dirty="0"/>
+              <a:t> and </a:t>
+            </a:r>
+            <a:r>
+              <a:rPr lang="en-US" sz="2400" i="1" dirty="0"/>
+              <a:t>SOAPdenovo-127mer</a:t>
             </a:r>
           </a:p>
         </p:txBody>
@@ -11283,7 +11230,7 @@
                 <a:latin typeface="Courier New" panose="02070309020205020404" pitchFamily="49" charset="0"/>
                 <a:cs typeface="Courier New" panose="02070309020205020404" pitchFamily="49" charset="0"/>
               </a:rPr>
-              <a:t># under lab09xxx/software/</a:t>
+              <a:t># under lab09_assembly/software/</a:t>
             </a:r>
           </a:p>
           <a:p>
@@ -12503,8 +12450,8 @@
         </p:nvSpPr>
         <p:spPr>
           <a:xfrm>
-            <a:off x="186676" y="1890696"/>
-            <a:ext cx="8807848" cy="3785652"/>
+            <a:off x="256348" y="1890696"/>
+            <a:ext cx="8643815" cy="3785652"/>
           </a:xfrm>
           <a:prstGeom prst="rect">
             <a:avLst/>
@@ -12616,15 +12563,32 @@
                 <a:latin typeface="Courier"/>
                 <a:cs typeface="Courier"/>
               </a:rPr>
-              <a:t>	-K 31 -d 2 -R -o MG1655kmer31 \</a:t>
-            </a:r>
-          </a:p>
-          <a:p>
+              <a:t>	</a:t>
+            </a:r>
+            <a:r>
+              <a:rPr lang="es-ES_tradnl" sz="2400" b="1" dirty="0">
+                <a:solidFill>
+                  <a:srgbClr val="FF0000"/>
+                </a:solidFill>
+                <a:latin typeface="Courier"/>
+                <a:cs typeface="Courier"/>
+              </a:rPr>
+              <a:t>-K 31 </a:t>
+            </a:r>
             <a:r>
               <a:rPr lang="es-ES_tradnl" sz="2400" dirty="0">
                 <a:latin typeface="Courier"/>
                 <a:cs typeface="Courier"/>
               </a:rPr>
+              <a:t>-d 2 -R -o MG1655kmer31 \</a:t>
+            </a:r>
+          </a:p>
+          <a:p>
+            <a:r>
+              <a:rPr lang="es-ES_tradnl" sz="2400" dirty="0">
+                <a:latin typeface="Courier"/>
+                <a:cs typeface="Courier"/>
+              </a:rPr>
               <a:t>	-p 1 -F -L 200 -b 800 -N 5000000 \</a:t>
             </a:r>
           </a:p>
@@ -12634,16 +12598,50 @@
                 <a:latin typeface="Courier"/>
                 <a:cs typeface="Courier"/>
               </a:rPr>
-              <a:t>	1&gt;MG1655kmer31.log \</a:t>
-            </a:r>
-          </a:p>
-          <a:p>
+              <a:t>	1&gt;MG1655</a:t>
+            </a:r>
             <a:r>
               <a:rPr lang="es-ES_tradnl" sz="2400" dirty="0">
-                <a:latin typeface="Courier"/>
-                <a:cs typeface="Courier"/>
-              </a:rPr>
-              <a:t>	2&gt;MG1655kmer31.err</a:t>
+                <a:highlight>
+                  <a:srgbClr val="FFFF00"/>
+                </a:highlight>
+                <a:latin typeface="Courier"/>
+                <a:cs typeface="Courier"/>
+              </a:rPr>
+              <a:t>kmer31</a:t>
+            </a:r>
+            <a:r>
+              <a:rPr lang="es-ES_tradnl" sz="2400" dirty="0">
+                <a:latin typeface="Courier"/>
+                <a:cs typeface="Courier"/>
+              </a:rPr>
+              <a:t>.log \</a:t>
+            </a:r>
+          </a:p>
+          <a:p>
+            <a:r>
+              <a:rPr lang="es-ES_tradnl" sz="2400" dirty="0">
+                <a:latin typeface="Courier"/>
+                <a:cs typeface="Courier"/>
+              </a:rPr>
+              <a:t>	2&gt;MG1655</a:t>
+            </a:r>
+            <a:r>
+              <a:rPr lang="es-ES_tradnl" sz="2400" dirty="0">
+                <a:highlight>
+                  <a:srgbClr val="FFFF00"/>
+                </a:highlight>
+                <a:latin typeface="Courier"/>
+                <a:cs typeface="Courier"/>
+              </a:rPr>
+              <a:t>kmer31</a:t>
+            </a:r>
+            <a:r>
+              <a:rPr lang="es-ES_tradnl" sz="2400" dirty="0">
+                <a:latin typeface="Courier"/>
+                <a:cs typeface="Courier"/>
+              </a:rPr>
+              <a:t>.err</a:t>
             </a:r>
             <a:endParaRPr lang="en-US" sz="2400" dirty="0">
               <a:latin typeface="Courier"/>

--- a/PLPTH813Bioinformatis/2023/labs/lab09_assembly.pptx
+++ b/PLPTH813Bioinformatis/2023/labs/lab09_assembly.pptx
@@ -5770,22 +5770,7 @@
                   </a:schemeClr>
                 </a:solidFill>
               </a:rPr>
-              <a:t>Genome assemblies using two assemblers:</a:t>
-            </a:r>
-          </a:p>
-          <a:p>
-            <a:pPr marL="457200" indent="0">
-              <a:buNone/>
-            </a:pPr>
-            <a:r>
-              <a:rPr lang="en-US" sz="2800" dirty="0">
-                <a:solidFill>
-                  <a:schemeClr val="bg1">
-                    <a:lumMod val="85000"/>
-                  </a:schemeClr>
-                </a:solidFill>
-              </a:rPr>
-              <a:t>SOAPdenovo2</a:t>
+              <a:t>Genome assemblies using SOAPdenovo2</a:t>
             </a:r>
           </a:p>
           <a:p>
@@ -5803,17 +5788,6 @@
               <a:t>Canu</a:t>
             </a:r>
             <a:endParaRPr lang="en-US" sz="2800" dirty="0"/>
-          </a:p>
-          <a:p>
-            <a:pPr>
-              <a:lnSpc>
-                <a:spcPct val="120000"/>
-              </a:lnSpc>
-            </a:pPr>
-            <a:r>
-              <a:rPr lang="en-US" sz="2800" dirty="0"/>
-              <a:t>Assembly polishing (error correction) with long-read raw data (skipped)</a:t>
-            </a:r>
           </a:p>
           <a:p>
             <a:pPr>
@@ -6194,7 +6168,7 @@
                 <a:latin typeface="Courier"/>
                 <a:cs typeface="Courier"/>
               </a:rPr>
-              <a:t>/pacbio_cmnHF4_1.fastq</a:t>
+              <a:t>/pacbio_cmnHF4_1.fastq.gz</a:t>
             </a:r>
           </a:p>
           <a:p>
@@ -7180,16 +7154,7 @@
           <a:p>
             <a:r>
               <a:rPr lang="en-US" sz="2800" dirty="0"/>
-              <a:t>Genome assemblies using two assemblers:</a:t>
-            </a:r>
-          </a:p>
-          <a:p>
-            <a:pPr marL="457200" indent="0">
-              <a:buNone/>
-            </a:pPr>
-            <a:r>
-              <a:rPr lang="en-US" sz="2800" dirty="0"/>
-              <a:t>SOAPdenovo2</a:t>
+              <a:t>Genome assemblies using SOAPdenovo2</a:t>
             </a:r>
           </a:p>
           <a:p>
@@ -8293,7 +8258,7 @@
                 <a:latin typeface="Courier"/>
                 <a:cs typeface="Courier"/>
               </a:rPr>
-              <a:t>java -jar /homes/liu3zhen/software/pilon/pilon-1.23.jar \</a:t>
+              <a:t>java -jar ../software/pilon/pilon-1.24.jar \</a:t>
             </a:r>
           </a:p>
           <a:p>
@@ -10762,19 +10727,8 @@
                 <a:latin typeface="Courier"/>
                 <a:cs typeface="Courier"/>
               </a:rPr>
-              <a:t>├── </a:t>
-            </a:r>
-            <a:r>
-              <a:rPr lang="fr-FR" sz="2200" dirty="0" err="1">
-                <a:latin typeface="Courier"/>
-                <a:cs typeface="Courier"/>
-              </a:rPr>
-              <a:t>soapdn</a:t>
-            </a:r>
-            <a:endParaRPr lang="fr-FR" sz="2200" dirty="0">
-              <a:latin typeface="Courier"/>
-              <a:cs typeface="Courier"/>
-            </a:endParaRPr>
+              <a:t>├── soapdn01</a:t>
+            </a:r>
           </a:p>
           <a:p>
             <a:pPr marL="0" indent="0">
